--- a/docs/pointer/final-project.pptx
+++ b/docs/pointer/final-project.pptx
@@ -20984,7 +20984,7 @@
                 </a:solidFill>
                 <a:latin typeface="Gotham Black" pitchFamily="50" charset="0"/>
               </a:rPr>
-              <a:t>I’m Albert Parlys</a:t>
+              <a:t>I’m Albert Parlys Tambunan</a:t>
             </a:r>
             <a:endParaRPr lang="id-ID" sz="4000" dirty="0">
               <a:solidFill>
